--- a/University outcomes.pptx
+++ b/University outcomes.pptx
@@ -6,15 +6,18 @@
   </p:sldMasterIdLst>
   <p:sldIdLst>
     <p:sldId id="256" r:id="rId2"/>
-    <p:sldId id="259" r:id="rId3"/>
-    <p:sldId id="260" r:id="rId4"/>
-    <p:sldId id="257" r:id="rId5"/>
-    <p:sldId id="258" r:id="rId6"/>
-    <p:sldId id="268" r:id="rId7"/>
-    <p:sldId id="269" r:id="rId8"/>
-    <p:sldId id="265" r:id="rId9"/>
-    <p:sldId id="266" r:id="rId10"/>
-    <p:sldId id="267" r:id="rId11"/>
+    <p:sldId id="257" r:id="rId3"/>
+    <p:sldId id="259" r:id="rId4"/>
+    <p:sldId id="260" r:id="rId5"/>
+    <p:sldId id="271" r:id="rId6"/>
+    <p:sldId id="272" r:id="rId7"/>
+    <p:sldId id="274" r:id="rId8"/>
+    <p:sldId id="258" r:id="rId9"/>
+    <p:sldId id="268" r:id="rId10"/>
+    <p:sldId id="269" r:id="rId11"/>
+    <p:sldId id="265" r:id="rId12"/>
+    <p:sldId id="266" r:id="rId13"/>
+    <p:sldId id="267" r:id="rId14"/>
   </p:sldIdLst>
   <p:sldSz cx="12192000" cy="6858000"/>
   <p:notesSz cx="6858000" cy="9144000"/>
@@ -320,7 +323,7 @@
           <a:p>
             <a:fld id="{48A87A34-81AB-432B-8DAE-1953F412C126}" type="datetimeFigureOut">
               <a:rPr lang="en-US" smtClean="0"/>
-              <a:t>1/22/2019</a:t>
+              <a:t>1/23/2019</a:t>
             </a:fld>
             <a:endParaRPr lang="en-US" dirty="0"/>
           </a:p>
@@ -659,7 +662,7 @@
             <a:fld id="{48A87A34-81AB-432B-8DAE-1953F412C126}" type="datetimeFigureOut">
               <a:rPr lang="en-US" smtClean="0"/>
               <a:pPr/>
-              <a:t>1/22/2019</a:t>
+              <a:t>1/23/2019</a:t>
             </a:fld>
             <a:endParaRPr lang="en-US" dirty="0"/>
           </a:p>
@@ -1062,7 +1065,7 @@
             <a:fld id="{48A87A34-81AB-432B-8DAE-1953F412C126}" type="datetimeFigureOut">
               <a:rPr lang="en-US" smtClean="0"/>
               <a:pPr/>
-              <a:t>1/22/2019</a:t>
+              <a:t>1/23/2019</a:t>
             </a:fld>
             <a:endParaRPr lang="en-US" dirty="0"/>
           </a:p>
@@ -1400,7 +1403,7 @@
             <a:fld id="{48A87A34-81AB-432B-8DAE-1953F412C126}" type="datetimeFigureOut">
               <a:rPr lang="en-US" smtClean="0"/>
               <a:pPr/>
-              <a:t>1/22/2019</a:t>
+              <a:t>1/23/2019</a:t>
             </a:fld>
             <a:endParaRPr lang="en-US" dirty="0"/>
           </a:p>
@@ -1722,7 +1725,7 @@
             <a:fld id="{48A87A34-81AB-432B-8DAE-1953F412C126}" type="datetimeFigureOut">
               <a:rPr lang="en-US" smtClean="0"/>
               <a:pPr/>
-              <a:t>1/22/2019</a:t>
+              <a:t>1/23/2019</a:t>
             </a:fld>
             <a:endParaRPr lang="en-US" dirty="0"/>
           </a:p>
@@ -2120,7 +2123,7 @@
             <a:fld id="{48A87A34-81AB-432B-8DAE-1953F412C126}" type="datetimeFigureOut">
               <a:rPr lang="en-US" smtClean="0"/>
               <a:pPr/>
-              <a:t>1/22/2019</a:t>
+              <a:t>1/23/2019</a:t>
             </a:fld>
             <a:endParaRPr lang="en-US" dirty="0"/>
           </a:p>
@@ -2378,7 +2381,7 @@
           <a:p>
             <a:fld id="{48A87A34-81AB-432B-8DAE-1953F412C126}" type="datetimeFigureOut">
               <a:rPr lang="en-US" smtClean="0"/>
-              <a:t>1/22/2019</a:t>
+              <a:t>1/23/2019</a:t>
             </a:fld>
             <a:endParaRPr lang="en-US" dirty="0"/>
           </a:p>
@@ -2640,7 +2643,7 @@
           <a:p>
             <a:fld id="{48A87A34-81AB-432B-8DAE-1953F412C126}" type="datetimeFigureOut">
               <a:rPr lang="en-US" smtClean="0"/>
-              <a:t>1/22/2019</a:t>
+              <a:t>1/23/2019</a:t>
             </a:fld>
             <a:endParaRPr lang="en-US" dirty="0"/>
           </a:p>
@@ -2902,7 +2905,7 @@
           <a:p>
             <a:fld id="{48A87A34-81AB-432B-8DAE-1953F412C126}" type="datetimeFigureOut">
               <a:rPr lang="en-US" smtClean="0"/>
-              <a:t>1/22/2019</a:t>
+              <a:t>1/23/2019</a:t>
             </a:fld>
             <a:endParaRPr lang="en-US" dirty="0"/>
           </a:p>
@@ -3231,7 +3234,7 @@
           <a:p>
             <a:fld id="{48A87A34-81AB-432B-8DAE-1953F412C126}" type="datetimeFigureOut">
               <a:rPr lang="en-US" smtClean="0"/>
-              <a:t>1/22/2019</a:t>
+              <a:t>1/23/2019</a:t>
             </a:fld>
             <a:endParaRPr lang="en-US" dirty="0"/>
           </a:p>
@@ -3554,7 +3557,7 @@
           <a:p>
             <a:fld id="{48A87A34-81AB-432B-8DAE-1953F412C126}" type="datetimeFigureOut">
               <a:rPr lang="en-US" smtClean="0"/>
-              <a:t>1/22/2019</a:t>
+              <a:t>1/23/2019</a:t>
             </a:fld>
             <a:endParaRPr lang="en-US" dirty="0"/>
           </a:p>
@@ -4011,7 +4014,7 @@
           <a:p>
             <a:fld id="{48A87A34-81AB-432B-8DAE-1953F412C126}" type="datetimeFigureOut">
               <a:rPr lang="en-US" smtClean="0"/>
-              <a:t>1/22/2019</a:t>
+              <a:t>1/23/2019</a:t>
             </a:fld>
             <a:endParaRPr lang="en-US" dirty="0"/>
           </a:p>
@@ -4216,7 +4219,7 @@
           <a:p>
             <a:fld id="{48A87A34-81AB-432B-8DAE-1953F412C126}" type="datetimeFigureOut">
               <a:rPr lang="en-US" smtClean="0"/>
-              <a:t>1/22/2019</a:t>
+              <a:t>1/23/2019</a:t>
             </a:fld>
             <a:endParaRPr lang="en-US" dirty="0"/>
           </a:p>
@@ -4393,7 +4396,7 @@
           <a:p>
             <a:fld id="{48A87A34-81AB-432B-8DAE-1953F412C126}" type="datetimeFigureOut">
               <a:rPr lang="en-US" smtClean="0"/>
-              <a:t>1/22/2019</a:t>
+              <a:t>1/23/2019</a:t>
             </a:fld>
             <a:endParaRPr lang="en-US" dirty="0"/>
           </a:p>
@@ -4726,7 +4729,7 @@
           <a:p>
             <a:fld id="{48A87A34-81AB-432B-8DAE-1953F412C126}" type="datetimeFigureOut">
               <a:rPr lang="en-US" smtClean="0"/>
-              <a:t>1/22/2019</a:t>
+              <a:t>1/23/2019</a:t>
             </a:fld>
             <a:endParaRPr lang="en-US" dirty="0"/>
           </a:p>
@@ -5072,7 +5075,7 @@
             <a:fld id="{48A87A34-81AB-432B-8DAE-1953F412C126}" type="datetimeFigureOut">
               <a:rPr lang="en-US" smtClean="0"/>
               <a:pPr/>
-              <a:t>1/22/2019</a:t>
+              <a:t>1/23/2019</a:t>
             </a:fld>
             <a:endParaRPr lang="en-US" dirty="0"/>
           </a:p>
@@ -7190,7 +7193,7 @@
             <a:fld id="{48A87A34-81AB-432B-8DAE-1953F412C126}" type="datetimeFigureOut">
               <a:rPr lang="en-US" smtClean="0"/>
               <a:pPr/>
-              <a:t>1/22/2019</a:t>
+              <a:t>1/23/2019</a:t>
             </a:fld>
             <a:endParaRPr lang="en-US" dirty="0"/>
           </a:p>
@@ -7770,7 +7773,7 @@
           <a:p>
             <a:r>
               <a:rPr lang="en-US" dirty="0"/>
-              <a:t>Understanding Key Performance Indicators for Highest Ranked Universities</a:t>
+              <a:t>Understanding Key Performance Indicators for the Highest Ranked Universities</a:t>
             </a:r>
           </a:p>
         </p:txBody>
@@ -8020,12 +8023,8 @@
           </a:p>
           <a:p>
             <a:r>
-              <a:rPr lang="en-US" dirty="0" err="1"/>
-              <a:t>Jatin</a:t>
-            </a:r>
-            <a:r>
               <a:rPr lang="en-US" dirty="0"/>
-              <a:t> Patel</a:t>
+              <a:t>Jatin Patel</a:t>
             </a:r>
           </a:p>
           <a:p>
@@ -8071,6 +8070,500 @@
           <p:cNvPr id="2" name="Title 1">
             <a:extLst>
               <a:ext uri="{FF2B5EF4-FFF2-40B4-BE49-F238E27FC236}">
+                <a16:creationId xmlns:a16="http://schemas.microsoft.com/office/drawing/2014/main" id="{C0C92568-3942-4F07-B51E-06D14943E3F5}"/>
+              </a:ext>
+            </a:extLst>
+          </p:cNvPr>
+          <p:cNvSpPr>
+            <a:spLocks noGrp="1"/>
+          </p:cNvSpPr>
+          <p:nvPr>
+            <p:ph type="title"/>
+          </p:nvPr>
+        </p:nvSpPr>
+        <p:spPr/>
+        <p:txBody>
+          <a:bodyPr/>
+          <a:lstStyle/>
+          <a:p>
+            <a:r>
+              <a:rPr lang="en-US" dirty="0"/>
+              <a:t>College Ranking Vs Tuition Rates</a:t>
+            </a:r>
+          </a:p>
+        </p:txBody>
+      </p:sp>
+      <p:pic>
+        <p:nvPicPr>
+          <p:cNvPr id="6" name="Content Placeholder 5">
+            <a:extLst>
+              <a:ext uri="{FF2B5EF4-FFF2-40B4-BE49-F238E27FC236}">
+                <a16:creationId xmlns:a16="http://schemas.microsoft.com/office/drawing/2014/main" id="{95ACC3E3-8B9A-4EAD-B0FC-032D7850EB03}"/>
+              </a:ext>
+            </a:extLst>
+          </p:cNvPr>
+          <p:cNvPicPr>
+            <a:picLocks noGrp="1" noChangeAspect="1"/>
+          </p:cNvPicPr>
+          <p:nvPr>
+            <p:ph sz="half" idx="1"/>
+          </p:nvPr>
+        </p:nvPicPr>
+        <p:blipFill rotWithShape="1">
+          <a:blip r:embed="rId2"/>
+          <a:srcRect l="8387" t="5532" r="8484" b="6628"/>
+          <a:stretch/>
+        </p:blipFill>
+        <p:spPr>
+          <a:xfrm>
+            <a:off x="190500" y="1583297"/>
+            <a:ext cx="9424838" cy="4979428"/>
+          </a:xfrm>
+        </p:spPr>
+      </p:pic>
+      <p:sp>
+        <p:nvSpPr>
+          <p:cNvPr id="4" name="Content Placeholder 3">
+            <a:extLst>
+              <a:ext uri="{FF2B5EF4-FFF2-40B4-BE49-F238E27FC236}">
+                <a16:creationId xmlns:a16="http://schemas.microsoft.com/office/drawing/2014/main" id="{4518644A-DFC9-4317-8005-6C0649062AB9}"/>
+              </a:ext>
+            </a:extLst>
+          </p:cNvPr>
+          <p:cNvSpPr>
+            <a:spLocks noGrp="1"/>
+          </p:cNvSpPr>
+          <p:nvPr>
+            <p:ph sz="half" idx="2"/>
+          </p:nvPr>
+        </p:nvSpPr>
+        <p:spPr>
+          <a:xfrm>
+            <a:off x="9515474" y="1583297"/>
+            <a:ext cx="2486025" cy="4415797"/>
+          </a:xfrm>
+        </p:spPr>
+        <p:txBody>
+          <a:bodyPr>
+            <a:normAutofit fontScale="92500"/>
+          </a:bodyPr>
+          <a:lstStyle/>
+          <a:p>
+            <a:pPr marL="0" indent="0">
+              <a:buNone/>
+            </a:pPr>
+            <a:r>
+              <a:rPr lang="en-US" dirty="0"/>
+              <a:t>Analysis:</a:t>
+            </a:r>
+          </a:p>
+          <a:p>
+            <a:r>
+              <a:rPr lang="en-US" dirty="0"/>
+              <a:t>Trend of higher tuition and ranking</a:t>
+            </a:r>
+          </a:p>
+          <a:p>
+            <a:r>
+              <a:rPr lang="en-US" dirty="0"/>
+              <a:t>Public Colleges have low tuition</a:t>
+            </a:r>
+          </a:p>
+          <a:p>
+            <a:r>
+              <a:rPr lang="en-US" dirty="0"/>
+              <a:t>Less no of Private colleges</a:t>
+            </a:r>
+          </a:p>
+          <a:p>
+            <a:r>
+              <a:rPr lang="en-US" dirty="0"/>
+              <a:t>After a peak no linear pattern seen</a:t>
+            </a:r>
+          </a:p>
+          <a:p>
+            <a:r>
+              <a:rPr lang="en-US" dirty="0"/>
+              <a:t>Conclusion: Higher tuition in top 50 universities would be justifiable.</a:t>
+            </a:r>
+          </a:p>
+          <a:p>
+            <a:pPr marL="0" indent="0">
+              <a:buNone/>
+            </a:pPr>
+            <a:endParaRPr lang="en-US" dirty="0"/>
+          </a:p>
+        </p:txBody>
+      </p:sp>
+    </p:spTree>
+    <p:extLst>
+      <p:ext uri="{BB962C8B-B14F-4D97-AF65-F5344CB8AC3E}">
+        <p14:creationId xmlns:p14="http://schemas.microsoft.com/office/powerpoint/2010/main" val="2916975321"/>
+      </p:ext>
+    </p:extLst>
+  </p:cSld>
+  <p:clrMapOvr>
+    <a:masterClrMapping/>
+  </p:clrMapOvr>
+</p:sld>
+</file>
+
+<file path=ppt/slides/slide11.xml><?xml version="1.0" encoding="utf-8"?>
+<p:sld xmlns:a="http://schemas.openxmlformats.org/drawingml/2006/main" xmlns:r="http://schemas.openxmlformats.org/officeDocument/2006/relationships" xmlns:p="http://schemas.openxmlformats.org/presentationml/2006/main">
+  <p:cSld>
+    <p:spTree>
+      <p:nvGrpSpPr>
+        <p:cNvPr id="1" name=""/>
+        <p:cNvGrpSpPr/>
+        <p:nvPr/>
+      </p:nvGrpSpPr>
+      <p:grpSpPr>
+        <a:xfrm>
+          <a:off x="0" y="0"/>
+          <a:ext cx="0" cy="0"/>
+          <a:chOff x="0" y="0"/>
+          <a:chExt cx="0" cy="0"/>
+        </a:xfrm>
+      </p:grpSpPr>
+      <p:sp>
+        <p:nvSpPr>
+          <p:cNvPr id="2" name="Title 1">
+            <a:extLst>
+              <a:ext uri="{FF2B5EF4-FFF2-40B4-BE49-F238E27FC236}">
+                <a16:creationId xmlns:a16="http://schemas.microsoft.com/office/drawing/2014/main" id="{C0C92568-3942-4F07-B51E-06D14943E3F5}"/>
+              </a:ext>
+            </a:extLst>
+          </p:cNvPr>
+          <p:cNvSpPr>
+            <a:spLocks noGrp="1"/>
+          </p:cNvSpPr>
+          <p:nvPr>
+            <p:ph type="title"/>
+          </p:nvPr>
+        </p:nvSpPr>
+        <p:spPr>
+          <a:xfrm>
+            <a:off x="2556829" y="319310"/>
+            <a:ext cx="8911687" cy="1280890"/>
+          </a:xfrm>
+        </p:spPr>
+        <p:txBody>
+          <a:bodyPr/>
+          <a:lstStyle/>
+          <a:p>
+            <a:r>
+              <a:rPr lang="en-US" dirty="0"/>
+              <a:t>College Ranking Vs SAT/ACT Scores</a:t>
+            </a:r>
+          </a:p>
+        </p:txBody>
+      </p:sp>
+      <p:sp>
+        <p:nvSpPr>
+          <p:cNvPr id="4" name="Content Placeholder 3">
+            <a:extLst>
+              <a:ext uri="{FF2B5EF4-FFF2-40B4-BE49-F238E27FC236}">
+                <a16:creationId xmlns:a16="http://schemas.microsoft.com/office/drawing/2014/main" id="{4518644A-DFC9-4317-8005-6C0649062AB9}"/>
+              </a:ext>
+            </a:extLst>
+          </p:cNvPr>
+          <p:cNvSpPr>
+            <a:spLocks noGrp="1"/>
+          </p:cNvSpPr>
+          <p:nvPr>
+            <p:ph sz="half" idx="2"/>
+          </p:nvPr>
+        </p:nvSpPr>
+        <p:spPr>
+          <a:xfrm>
+            <a:off x="8458199" y="1287377"/>
+            <a:ext cx="3543299" cy="4957011"/>
+          </a:xfrm>
+        </p:spPr>
+        <p:txBody>
+          <a:bodyPr>
+            <a:normAutofit fontScale="85000" lnSpcReduction="20000"/>
+          </a:bodyPr>
+          <a:lstStyle/>
+          <a:p>
+            <a:pPr marL="0" indent="0">
+              <a:buNone/>
+            </a:pPr>
+            <a:r>
+              <a:rPr lang="en-US" dirty="0"/>
+              <a:t>Analysis:</a:t>
+            </a:r>
+          </a:p>
+          <a:p>
+            <a:r>
+              <a:rPr lang="en-US" dirty="0"/>
+              <a:t>Clear pattern seen for high SAT and ACT scores and ranking</a:t>
+            </a:r>
+          </a:p>
+          <a:p>
+            <a:r>
+              <a:rPr lang="en-US" dirty="0"/>
+              <a:t>SAT scores of 1375 and up is required for the top 10 colleges</a:t>
+            </a:r>
+          </a:p>
+          <a:p>
+            <a:r>
+              <a:rPr lang="en-US" dirty="0"/>
+              <a:t>ACT scores of 32 and up is required for top 10 colleges</a:t>
+            </a:r>
+          </a:p>
+          <a:p>
+            <a:r>
+              <a:rPr lang="en-US" dirty="0"/>
+              <a:t>Some colleges consider ACT scores more favorably than SAT scores</a:t>
+            </a:r>
+          </a:p>
+          <a:p>
+            <a:r>
+              <a:rPr lang="en-US" dirty="0"/>
+              <a:t>Some top ranked universities clearly show lower SAT/ACT requirements.</a:t>
+            </a:r>
+          </a:p>
+          <a:p>
+            <a:r>
+              <a:rPr lang="en-US" dirty="0"/>
+              <a:t>Other parameters are considered in ranking of top colleges.</a:t>
+            </a:r>
+          </a:p>
+          <a:p>
+            <a:r>
+              <a:rPr lang="en-US" dirty="0"/>
+              <a:t>Other parameters may include, course work, research grants, internship and job placements.  </a:t>
+            </a:r>
+          </a:p>
+          <a:p>
+            <a:r>
+              <a:rPr lang="en-US" dirty="0"/>
+              <a:t>Conclusion: Top 10 colleges consider SAT and ACT equally.</a:t>
+            </a:r>
+          </a:p>
+        </p:txBody>
+      </p:sp>
+      <p:pic>
+        <p:nvPicPr>
+          <p:cNvPr id="8" name="Content Placeholder 7">
+            <a:extLst>
+              <a:ext uri="{FF2B5EF4-FFF2-40B4-BE49-F238E27FC236}">
+                <a16:creationId xmlns:a16="http://schemas.microsoft.com/office/drawing/2014/main" id="{A71D8918-FE96-493D-BCEF-79EC06868E78}"/>
+              </a:ext>
+            </a:extLst>
+          </p:cNvPr>
+          <p:cNvPicPr>
+            <a:picLocks noGrp="1" noChangeAspect="1"/>
+          </p:cNvPicPr>
+          <p:nvPr>
+            <p:ph sz="half" idx="1"/>
+          </p:nvPr>
+        </p:nvPicPr>
+        <p:blipFill>
+          <a:blip r:embed="rId2"/>
+          <a:stretch>
+            <a:fillRect/>
+          </a:stretch>
+        </p:blipFill>
+        <p:spPr>
+          <a:xfrm>
+            <a:off x="190501" y="1287378"/>
+            <a:ext cx="8367179" cy="4957011"/>
+          </a:xfrm>
+        </p:spPr>
+      </p:pic>
+    </p:spTree>
+    <p:extLst>
+      <p:ext uri="{BB962C8B-B14F-4D97-AF65-F5344CB8AC3E}">
+        <p14:creationId xmlns:p14="http://schemas.microsoft.com/office/powerpoint/2010/main" val="869881843"/>
+      </p:ext>
+    </p:extLst>
+  </p:cSld>
+  <p:clrMapOvr>
+    <a:masterClrMapping/>
+  </p:clrMapOvr>
+</p:sld>
+</file>
+
+<file path=ppt/slides/slide12.xml><?xml version="1.0" encoding="utf-8"?>
+<p:sld xmlns:a="http://schemas.openxmlformats.org/drawingml/2006/main" xmlns:r="http://schemas.openxmlformats.org/officeDocument/2006/relationships" xmlns:p="http://schemas.openxmlformats.org/presentationml/2006/main">
+  <p:cSld>
+    <p:spTree>
+      <p:nvGrpSpPr>
+        <p:cNvPr id="1" name=""/>
+        <p:cNvGrpSpPr/>
+        <p:nvPr/>
+      </p:nvGrpSpPr>
+      <p:grpSpPr>
+        <a:xfrm>
+          <a:off x="0" y="0"/>
+          <a:ext cx="0" cy="0"/>
+          <a:chOff x="0" y="0"/>
+          <a:chExt cx="0" cy="0"/>
+        </a:xfrm>
+      </p:grpSpPr>
+      <p:sp>
+        <p:nvSpPr>
+          <p:cNvPr id="2" name="Title 1">
+            <a:extLst>
+              <a:ext uri="{FF2B5EF4-FFF2-40B4-BE49-F238E27FC236}">
+                <a16:creationId xmlns:a16="http://schemas.microsoft.com/office/drawing/2014/main" id="{5DB5829C-11A1-4FD8-B856-7CE9B3713481}"/>
+              </a:ext>
+            </a:extLst>
+          </p:cNvPr>
+          <p:cNvSpPr>
+            <a:spLocks noGrp="1"/>
+          </p:cNvSpPr>
+          <p:nvPr>
+            <p:ph type="title"/>
+          </p:nvPr>
+        </p:nvSpPr>
+        <p:spPr/>
+        <p:txBody>
+          <a:bodyPr/>
+          <a:lstStyle/>
+          <a:p>
+            <a:r>
+              <a:rPr lang="en-US" dirty="0"/>
+              <a:t>Conclusion/Summary</a:t>
+            </a:r>
+          </a:p>
+        </p:txBody>
+      </p:sp>
+      <p:sp>
+        <p:nvSpPr>
+          <p:cNvPr id="3" name="Content Placeholder 2">
+            <a:extLst>
+              <a:ext uri="{FF2B5EF4-FFF2-40B4-BE49-F238E27FC236}">
+                <a16:creationId xmlns:a16="http://schemas.microsoft.com/office/drawing/2014/main" id="{B8FA48F5-362B-4D9A-A6D6-2908D684696E}"/>
+              </a:ext>
+            </a:extLst>
+          </p:cNvPr>
+          <p:cNvSpPr>
+            <a:spLocks noGrp="1"/>
+          </p:cNvSpPr>
+          <p:nvPr>
+            <p:ph sz="half" idx="1"/>
+          </p:nvPr>
+        </p:nvSpPr>
+        <p:spPr/>
+        <p:txBody>
+          <a:bodyPr>
+            <a:normAutofit fontScale="85000" lnSpcReduction="10000"/>
+          </a:bodyPr>
+          <a:lstStyle/>
+          <a:p>
+            <a:r>
+              <a:rPr lang="en-US" dirty="0"/>
+              <a:t>Industries play significant role in making of top colleges.</a:t>
+            </a:r>
+          </a:p>
+          <a:p>
+            <a:r>
+              <a:rPr lang="en-US" dirty="0"/>
+              <a:t>SAT/ACT scores are inversely proportional to acceptance in the higher ranking colleges</a:t>
+            </a:r>
+          </a:p>
+          <a:p>
+            <a:r>
+              <a:rPr lang="en-US" dirty="0"/>
+              <a:t>Higher tuition in top 50 universities would be justifiable</a:t>
+            </a:r>
+          </a:p>
+          <a:p>
+            <a:r>
+              <a:rPr lang="en-US" dirty="0"/>
+              <a:t>Top 10 colleges consider SAT and ACT equally</a:t>
+            </a:r>
+          </a:p>
+          <a:p>
+            <a:r>
+              <a:rPr lang="en-US" dirty="0"/>
+              <a:t>College Rank is a primary indicator of Freshman Retention and Graduation Rate.</a:t>
+            </a:r>
+          </a:p>
+          <a:p>
+            <a:r>
+              <a:rPr lang="en-US" dirty="0"/>
+              <a:t>There does not seem to be much of a disparity between public and private </a:t>
+            </a:r>
+          </a:p>
+          <a:p>
+            <a:endParaRPr lang="en-US" dirty="0"/>
+          </a:p>
+        </p:txBody>
+      </p:sp>
+      <p:pic>
+        <p:nvPicPr>
+          <p:cNvPr id="13" name="Content Placeholder 12">
+            <a:extLst>
+              <a:ext uri="{FF2B5EF4-FFF2-40B4-BE49-F238E27FC236}">
+                <a16:creationId xmlns:a16="http://schemas.microsoft.com/office/drawing/2014/main" id="{066119A9-C921-4398-B252-09DD45B719EE}"/>
+              </a:ext>
+            </a:extLst>
+          </p:cNvPr>
+          <p:cNvPicPr>
+            <a:picLocks noGrp="1" noChangeAspect="1"/>
+          </p:cNvPicPr>
+          <p:nvPr>
+            <p:ph sz="half" idx="2"/>
+          </p:nvPr>
+        </p:nvPicPr>
+        <p:blipFill>
+          <a:blip r:embed="rId2">
+            <a:extLst>
+              <a:ext uri="{837473B0-CC2E-450A-ABE3-18F120FF3D39}">
+                <a1611:picAttrSrcUrl xmlns:a1611="http://schemas.microsoft.com/office/drawing/2016/11/main" r:id="rId3"/>
+              </a:ext>
+            </a:extLst>
+          </a:blip>
+          <a:stretch>
+            <a:fillRect/>
+          </a:stretch>
+        </p:blipFill>
+        <p:spPr>
+          <a:xfrm>
+            <a:off x="6903076" y="2119976"/>
+            <a:ext cx="4601537" cy="3566191"/>
+          </a:xfrm>
+        </p:spPr>
+      </p:pic>
+    </p:spTree>
+    <p:extLst>
+      <p:ext uri="{BB962C8B-B14F-4D97-AF65-F5344CB8AC3E}">
+        <p14:creationId xmlns:p14="http://schemas.microsoft.com/office/powerpoint/2010/main" val="1716012072"/>
+      </p:ext>
+    </p:extLst>
+  </p:cSld>
+  <p:clrMapOvr>
+    <a:masterClrMapping/>
+  </p:clrMapOvr>
+</p:sld>
+</file>
+
+<file path=ppt/slides/slide13.xml><?xml version="1.0" encoding="utf-8"?>
+<p:sld xmlns:a="http://schemas.openxmlformats.org/drawingml/2006/main" xmlns:r="http://schemas.openxmlformats.org/officeDocument/2006/relationships" xmlns:p="http://schemas.openxmlformats.org/presentationml/2006/main">
+  <p:cSld>
+    <p:spTree>
+      <p:nvGrpSpPr>
+        <p:cNvPr id="1" name=""/>
+        <p:cNvGrpSpPr/>
+        <p:nvPr/>
+      </p:nvGrpSpPr>
+      <p:grpSpPr>
+        <a:xfrm>
+          <a:off x="0" y="0"/>
+          <a:ext cx="0" cy="0"/>
+          <a:chOff x="0" y="0"/>
+          <a:chExt cx="0" cy="0"/>
+        </a:xfrm>
+      </p:grpSpPr>
+      <p:sp>
+        <p:nvSpPr>
+          <p:cNvPr id="2" name="Title 1">
+            <a:extLst>
+              <a:ext uri="{FF2B5EF4-FFF2-40B4-BE49-F238E27FC236}">
                 <a16:creationId xmlns:a16="http://schemas.microsoft.com/office/drawing/2014/main" id="{66739A78-28A2-4A4C-B9E4-A07D55AA0F6D}"/>
               </a:ext>
             </a:extLst>
@@ -8154,172 +8647,6 @@
           <p:cNvPr id="2" name="Title 1">
             <a:extLst>
               <a:ext uri="{FF2B5EF4-FFF2-40B4-BE49-F238E27FC236}">
-                <a16:creationId xmlns:a16="http://schemas.microsoft.com/office/drawing/2014/main" id="{AEAF93B1-5844-4C90-A4DA-AFDDD4C14839}"/>
-              </a:ext>
-            </a:extLst>
-          </p:cNvPr>
-          <p:cNvSpPr>
-            <a:spLocks noGrp="1"/>
-          </p:cNvSpPr>
-          <p:nvPr>
-            <p:ph type="title"/>
-          </p:nvPr>
-        </p:nvSpPr>
-        <p:spPr/>
-        <p:txBody>
-          <a:bodyPr/>
-          <a:lstStyle/>
-          <a:p>
-            <a:r>
-              <a:rPr lang="en-US" dirty="0"/>
-              <a:t>Data Sources</a:t>
-            </a:r>
-          </a:p>
-        </p:txBody>
-      </p:sp>
-      <p:sp>
-        <p:nvSpPr>
-          <p:cNvPr id="3" name="Text Placeholder 2">
-            <a:extLst>
-              <a:ext uri="{FF2B5EF4-FFF2-40B4-BE49-F238E27FC236}">
-                <a16:creationId xmlns:a16="http://schemas.microsoft.com/office/drawing/2014/main" id="{5A4C9043-32ED-4267-8B8A-0035F4AFDD83}"/>
-              </a:ext>
-            </a:extLst>
-          </p:cNvPr>
-          <p:cNvSpPr>
-            <a:spLocks noGrp="1"/>
-          </p:cNvSpPr>
-          <p:nvPr>
-            <p:ph type="body" idx="1"/>
-          </p:nvPr>
-        </p:nvSpPr>
-        <p:spPr/>
-        <p:txBody>
-          <a:bodyPr/>
-          <a:lstStyle/>
-          <a:p>
-            <a:endParaRPr lang="en-US"/>
-          </a:p>
-        </p:txBody>
-      </p:sp>
-    </p:spTree>
-    <p:extLst>
-      <p:ext uri="{BB962C8B-B14F-4D97-AF65-F5344CB8AC3E}">
-        <p14:creationId xmlns:p14="http://schemas.microsoft.com/office/powerpoint/2010/main" val="3333409186"/>
-      </p:ext>
-    </p:extLst>
-  </p:cSld>
-  <p:clrMapOvr>
-    <a:masterClrMapping/>
-  </p:clrMapOvr>
-</p:sld>
-</file>
-
-<file path=ppt/slides/slide3.xml><?xml version="1.0" encoding="utf-8"?>
-<p:sld xmlns:a="http://schemas.openxmlformats.org/drawingml/2006/main" xmlns:r="http://schemas.openxmlformats.org/officeDocument/2006/relationships" xmlns:p="http://schemas.openxmlformats.org/presentationml/2006/main">
-  <p:cSld>
-    <p:spTree>
-      <p:nvGrpSpPr>
-        <p:cNvPr id="1" name=""/>
-        <p:cNvGrpSpPr/>
-        <p:nvPr/>
-      </p:nvGrpSpPr>
-      <p:grpSpPr>
-        <a:xfrm>
-          <a:off x="0" y="0"/>
-          <a:ext cx="0" cy="0"/>
-          <a:chOff x="0" y="0"/>
-          <a:chExt cx="0" cy="0"/>
-        </a:xfrm>
-      </p:grpSpPr>
-      <p:sp>
-        <p:nvSpPr>
-          <p:cNvPr id="2" name="Title 1">
-            <a:extLst>
-              <a:ext uri="{FF2B5EF4-FFF2-40B4-BE49-F238E27FC236}">
-                <a16:creationId xmlns:a16="http://schemas.microsoft.com/office/drawing/2014/main" id="{D00D8156-106F-4EB9-9A3D-679EBFEEA452}"/>
-              </a:ext>
-            </a:extLst>
-          </p:cNvPr>
-          <p:cNvSpPr>
-            <a:spLocks noGrp="1"/>
-          </p:cNvSpPr>
-          <p:nvPr>
-            <p:ph type="title"/>
-          </p:nvPr>
-        </p:nvSpPr>
-        <p:spPr/>
-        <p:txBody>
-          <a:bodyPr/>
-          <a:lstStyle/>
-          <a:p>
-            <a:r>
-              <a:rPr lang="en-US" dirty="0"/>
-              <a:t>Data cleaning</a:t>
-            </a:r>
-          </a:p>
-        </p:txBody>
-      </p:sp>
-      <p:sp>
-        <p:nvSpPr>
-          <p:cNvPr id="3" name="Text Placeholder 2">
-            <a:extLst>
-              <a:ext uri="{FF2B5EF4-FFF2-40B4-BE49-F238E27FC236}">
-                <a16:creationId xmlns:a16="http://schemas.microsoft.com/office/drawing/2014/main" id="{84C25E4C-B31B-4743-8674-CEE11A678C1E}"/>
-              </a:ext>
-            </a:extLst>
-          </p:cNvPr>
-          <p:cNvSpPr>
-            <a:spLocks noGrp="1"/>
-          </p:cNvSpPr>
-          <p:nvPr>
-            <p:ph type="body" idx="1"/>
-          </p:nvPr>
-        </p:nvSpPr>
-        <p:spPr/>
-        <p:txBody>
-          <a:bodyPr/>
-          <a:lstStyle/>
-          <a:p>
-            <a:endParaRPr lang="en-US"/>
-          </a:p>
-        </p:txBody>
-      </p:sp>
-    </p:spTree>
-    <p:extLst>
-      <p:ext uri="{BB962C8B-B14F-4D97-AF65-F5344CB8AC3E}">
-        <p14:creationId xmlns:p14="http://schemas.microsoft.com/office/powerpoint/2010/main" val="795983359"/>
-      </p:ext>
-    </p:extLst>
-  </p:cSld>
-  <p:clrMapOvr>
-    <a:masterClrMapping/>
-  </p:clrMapOvr>
-</p:sld>
-</file>
-
-<file path=ppt/slides/slide4.xml><?xml version="1.0" encoding="utf-8"?>
-<p:sld xmlns:a="http://schemas.openxmlformats.org/drawingml/2006/main" xmlns:r="http://schemas.openxmlformats.org/officeDocument/2006/relationships" xmlns:p="http://schemas.openxmlformats.org/presentationml/2006/main">
-  <p:cSld>
-    <p:spTree>
-      <p:nvGrpSpPr>
-        <p:cNvPr id="1" name=""/>
-        <p:cNvGrpSpPr/>
-        <p:nvPr/>
-      </p:nvGrpSpPr>
-      <p:grpSpPr>
-        <a:xfrm>
-          <a:off x="0" y="0"/>
-          <a:ext cx="0" cy="0"/>
-          <a:chOff x="0" y="0"/>
-          <a:chExt cx="0" cy="0"/>
-        </a:xfrm>
-      </p:grpSpPr>
-      <p:sp>
-        <p:nvSpPr>
-          <p:cNvPr id="2" name="Title 1">
-            <a:extLst>
-              <a:ext uri="{FF2B5EF4-FFF2-40B4-BE49-F238E27FC236}">
                 <a16:creationId xmlns:a16="http://schemas.microsoft.com/office/drawing/2014/main" id="{D88B7F54-B1E3-4D62-85D5-C6ABCD2B3704}"/>
               </a:ext>
             </a:extLst>
@@ -8376,37 +8703,37 @@
           <a:p>
             <a:r>
               <a:rPr lang="en-US" dirty="0"/>
-              <a:t>M - College ranking Vs. Graduation rate</a:t>
+              <a:t>College ranking Vs. Graduation rate</a:t>
             </a:r>
           </a:p>
           <a:p>
             <a:r>
               <a:rPr lang="en-US" dirty="0"/>
-              <a:t>M - College ranking Vs. Retention rate</a:t>
+              <a:t>College ranking Vs. Retention rate</a:t>
             </a:r>
           </a:p>
           <a:p>
             <a:r>
               <a:rPr lang="en-US" dirty="0"/>
-              <a:t>J – Geo dispersion of colleges</a:t>
+              <a:t>Geo dispersion of colleges</a:t>
             </a:r>
           </a:p>
           <a:p>
             <a:r>
               <a:rPr lang="en-US" dirty="0"/>
-              <a:t>J - College ranking Vs. SAT/ACT/Acceptance rate</a:t>
+              <a:t>College ranking Vs. SAT/ACT/Acceptance rate</a:t>
             </a:r>
           </a:p>
           <a:p>
             <a:r>
               <a:rPr lang="en-US" dirty="0"/>
-              <a:t>N - College ranking Vs. Tuition rates</a:t>
+              <a:t>College ranking Vs. Tuition rates</a:t>
             </a:r>
           </a:p>
           <a:p>
             <a:r>
               <a:rPr lang="en-US" dirty="0"/>
-              <a:t>N - College ranking Vs SAT/ACT Scores</a:t>
+              <a:t>College ranking Vs SAT/ACT Scores</a:t>
             </a:r>
           </a:p>
         </p:txBody>
@@ -8459,7 +8786,754 @@
 </p:sld>
 </file>
 
+<file path=ppt/slides/slide3.xml><?xml version="1.0" encoding="utf-8"?>
+<p:sld xmlns:a="http://schemas.openxmlformats.org/drawingml/2006/main" xmlns:r="http://schemas.openxmlformats.org/officeDocument/2006/relationships" xmlns:p="http://schemas.openxmlformats.org/presentationml/2006/main">
+  <p:cSld>
+    <p:spTree>
+      <p:nvGrpSpPr>
+        <p:cNvPr id="1" name=""/>
+        <p:cNvGrpSpPr/>
+        <p:nvPr/>
+      </p:nvGrpSpPr>
+      <p:grpSpPr>
+        <a:xfrm>
+          <a:off x="0" y="0"/>
+          <a:ext cx="0" cy="0"/>
+          <a:chOff x="0" y="0"/>
+          <a:chExt cx="0" cy="0"/>
+        </a:xfrm>
+      </p:grpSpPr>
+      <p:sp>
+        <p:nvSpPr>
+          <p:cNvPr id="2" name="Title 1">
+            <a:extLst>
+              <a:ext uri="{FF2B5EF4-FFF2-40B4-BE49-F238E27FC236}">
+                <a16:creationId xmlns:a16="http://schemas.microsoft.com/office/drawing/2014/main" id="{AEAF93B1-5844-4C90-A4DA-AFDDD4C14839}"/>
+              </a:ext>
+            </a:extLst>
+          </p:cNvPr>
+          <p:cNvSpPr>
+            <a:spLocks noGrp="1"/>
+          </p:cNvSpPr>
+          <p:nvPr>
+            <p:ph type="title"/>
+          </p:nvPr>
+        </p:nvSpPr>
+        <p:spPr/>
+        <p:txBody>
+          <a:bodyPr/>
+          <a:lstStyle/>
+          <a:p>
+            <a:r>
+              <a:rPr lang="en-US" dirty="0"/>
+              <a:t>Data Sources</a:t>
+            </a:r>
+          </a:p>
+        </p:txBody>
+      </p:sp>
+      <p:sp>
+        <p:nvSpPr>
+          <p:cNvPr id="5" name="Content Placeholder 4">
+            <a:extLst>
+              <a:ext uri="{FF2B5EF4-FFF2-40B4-BE49-F238E27FC236}">
+                <a16:creationId xmlns:a16="http://schemas.microsoft.com/office/drawing/2014/main" id="{C3C87960-D3EB-4A88-AB05-CBCCF625F935}"/>
+              </a:ext>
+            </a:extLst>
+          </p:cNvPr>
+          <p:cNvSpPr>
+            <a:spLocks noGrp="1"/>
+          </p:cNvSpPr>
+          <p:nvPr>
+            <p:ph sz="half" idx="2"/>
+          </p:nvPr>
+        </p:nvSpPr>
+        <p:spPr>
+          <a:xfrm>
+            <a:off x="7190747" y="4256966"/>
+            <a:ext cx="4313864" cy="1302778"/>
+          </a:xfrm>
+        </p:spPr>
+        <p:txBody>
+          <a:bodyPr>
+            <a:normAutofit lnSpcReduction="10000"/>
+          </a:bodyPr>
+          <a:lstStyle/>
+          <a:p>
+            <a:r>
+              <a:rPr lang="en-US" dirty="0"/>
+              <a:t>A data gathering tool for tracking colleges for admission</a:t>
+            </a:r>
+          </a:p>
+          <a:p>
+            <a:r>
+              <a:rPr lang="en-US" dirty="0"/>
+              <a:t>Data set had a much greater number of schools</a:t>
+            </a:r>
+          </a:p>
+        </p:txBody>
+      </p:sp>
+      <p:pic>
+        <p:nvPicPr>
+          <p:cNvPr id="10" name="Graphic 9">
+            <a:extLst>
+              <a:ext uri="{FF2B5EF4-FFF2-40B4-BE49-F238E27FC236}">
+                <a16:creationId xmlns:a16="http://schemas.microsoft.com/office/drawing/2014/main" id="{1244C08B-5845-49C4-9B86-426D7B9E0953}"/>
+              </a:ext>
+            </a:extLst>
+          </p:cNvPr>
+          <p:cNvPicPr>
+            <a:picLocks noChangeAspect="1"/>
+          </p:cNvPicPr>
+          <p:nvPr/>
+        </p:nvPicPr>
+        <p:blipFill>
+          <a:blip r:embed="rId2">
+            <a:extLst>
+              <a:ext uri="{28A0092B-C50C-407E-A947-70E740481C1C}">
+                <a14:useLocalDpi xmlns:a14="http://schemas.microsoft.com/office/drawing/2010/main" val="0"/>
+              </a:ext>
+              <a:ext uri="{96DAC541-7B7A-43D3-8B79-37D633B846F1}">
+                <asvg:svgBlip xmlns:asvg="http://schemas.microsoft.com/office/drawing/2016/SVG/main" r:embed="rId3"/>
+              </a:ext>
+            </a:extLst>
+          </a:blip>
+          <a:stretch>
+            <a:fillRect/>
+          </a:stretch>
+        </p:blipFill>
+        <p:spPr>
+          <a:xfrm>
+            <a:off x="3270414" y="2126222"/>
+            <a:ext cx="2950833" cy="2160010"/>
+          </a:xfrm>
+          <a:prstGeom prst="rect">
+            <a:avLst/>
+          </a:prstGeom>
+        </p:spPr>
+      </p:pic>
+      <p:sp>
+        <p:nvSpPr>
+          <p:cNvPr id="12" name="Content Placeholder 11">
+            <a:extLst>
+              <a:ext uri="{FF2B5EF4-FFF2-40B4-BE49-F238E27FC236}">
+                <a16:creationId xmlns:a16="http://schemas.microsoft.com/office/drawing/2014/main" id="{668082BB-DE05-434B-B202-79165BC654C1}"/>
+              </a:ext>
+            </a:extLst>
+          </p:cNvPr>
+          <p:cNvSpPr>
+            <a:spLocks noGrp="1"/>
+          </p:cNvSpPr>
+          <p:nvPr>
+            <p:ph sz="half" idx="1"/>
+          </p:nvPr>
+        </p:nvSpPr>
+        <p:spPr>
+          <a:xfrm>
+            <a:off x="2844322" y="4278854"/>
+            <a:ext cx="4313864" cy="1280890"/>
+          </a:xfrm>
+        </p:spPr>
+        <p:txBody>
+          <a:bodyPr>
+            <a:normAutofit lnSpcReduction="10000"/>
+          </a:bodyPr>
+          <a:lstStyle/>
+          <a:p>
+            <a:r>
+              <a:rPr lang="en-US" dirty="0"/>
+              <a:t>Kaggle.com</a:t>
+            </a:r>
+          </a:p>
+          <a:p>
+            <a:r>
+              <a:rPr lang="en-US" dirty="0"/>
+              <a:t>Known resource</a:t>
+            </a:r>
+          </a:p>
+          <a:p>
+            <a:r>
+              <a:rPr lang="en-US" dirty="0"/>
+              <a:t>Only the 230 top-ranked schools</a:t>
+            </a:r>
+          </a:p>
+        </p:txBody>
+      </p:sp>
+      <p:pic>
+        <p:nvPicPr>
+          <p:cNvPr id="13" name="Picture 16" descr="College Raptor">
+            <a:extLst>
+              <a:ext uri="{FF2B5EF4-FFF2-40B4-BE49-F238E27FC236}">
+                <a16:creationId xmlns:a16="http://schemas.microsoft.com/office/drawing/2014/main" id="{19656B92-1186-4BEE-8174-3A6D1D4A51AB}"/>
+              </a:ext>
+            </a:extLst>
+          </p:cNvPr>
+          <p:cNvPicPr>
+            <a:picLocks noChangeAspect="1" noChangeArrowheads="1"/>
+          </p:cNvPicPr>
+          <p:nvPr/>
+        </p:nvPicPr>
+        <p:blipFill>
+          <a:blip r:embed="rId4">
+            <a:extLst>
+              <a:ext uri="{28A0092B-C50C-407E-A947-70E740481C1C}">
+                <a14:useLocalDpi xmlns:a14="http://schemas.microsoft.com/office/drawing/2010/main" val="0"/>
+              </a:ext>
+            </a:extLst>
+          </a:blip>
+          <a:srcRect/>
+          <a:stretch>
+            <a:fillRect/>
+          </a:stretch>
+        </p:blipFill>
+        <p:spPr bwMode="auto">
+          <a:xfrm>
+            <a:off x="7048767" y="1905000"/>
+            <a:ext cx="4019764" cy="1992086"/>
+          </a:xfrm>
+          <a:prstGeom prst="rect">
+            <a:avLst/>
+          </a:prstGeom>
+          <a:noFill/>
+          <a:extLst>
+            <a:ext uri="{909E8E84-426E-40DD-AFC4-6F175D3DCCD1}">
+              <a14:hiddenFill xmlns:a14="http://schemas.microsoft.com/office/drawing/2010/main">
+                <a:solidFill>
+                  <a:srgbClr val="FFFFFF"/>
+                </a:solidFill>
+              </a14:hiddenFill>
+            </a:ext>
+          </a:extLst>
+        </p:spPr>
+      </p:pic>
+    </p:spTree>
+    <p:extLst>
+      <p:ext uri="{BB962C8B-B14F-4D97-AF65-F5344CB8AC3E}">
+        <p14:creationId xmlns:p14="http://schemas.microsoft.com/office/powerpoint/2010/main" val="3333409186"/>
+      </p:ext>
+    </p:extLst>
+  </p:cSld>
+  <p:clrMapOvr>
+    <a:masterClrMapping/>
+  </p:clrMapOvr>
+</p:sld>
+</file>
+
+<file path=ppt/slides/slide4.xml><?xml version="1.0" encoding="utf-8"?>
+<p:sld xmlns:a="http://schemas.openxmlformats.org/drawingml/2006/main" xmlns:r="http://schemas.openxmlformats.org/officeDocument/2006/relationships" xmlns:p="http://schemas.openxmlformats.org/presentationml/2006/main">
+  <p:cSld>
+    <p:spTree>
+      <p:nvGrpSpPr>
+        <p:cNvPr id="1" name=""/>
+        <p:cNvGrpSpPr/>
+        <p:nvPr/>
+      </p:nvGrpSpPr>
+      <p:grpSpPr>
+        <a:xfrm>
+          <a:off x="0" y="0"/>
+          <a:ext cx="0" cy="0"/>
+          <a:chOff x="0" y="0"/>
+          <a:chExt cx="0" cy="0"/>
+        </a:xfrm>
+      </p:grpSpPr>
+      <p:sp>
+        <p:nvSpPr>
+          <p:cNvPr id="2" name="Title 1">
+            <a:extLst>
+              <a:ext uri="{FF2B5EF4-FFF2-40B4-BE49-F238E27FC236}">
+                <a16:creationId xmlns:a16="http://schemas.microsoft.com/office/drawing/2014/main" id="{D00D8156-106F-4EB9-9A3D-679EBFEEA452}"/>
+              </a:ext>
+            </a:extLst>
+          </p:cNvPr>
+          <p:cNvSpPr>
+            <a:spLocks noGrp="1"/>
+          </p:cNvSpPr>
+          <p:nvPr>
+            <p:ph type="title"/>
+          </p:nvPr>
+        </p:nvSpPr>
+        <p:spPr/>
+        <p:txBody>
+          <a:bodyPr/>
+          <a:lstStyle/>
+          <a:p>
+            <a:r>
+              <a:rPr lang="en-US" dirty="0"/>
+              <a:t>Data cleaning</a:t>
+            </a:r>
+          </a:p>
+        </p:txBody>
+      </p:sp>
+      <p:sp>
+        <p:nvSpPr>
+          <p:cNvPr id="3" name="Text Placeholder 2">
+            <a:extLst>
+              <a:ext uri="{FF2B5EF4-FFF2-40B4-BE49-F238E27FC236}">
+                <a16:creationId xmlns:a16="http://schemas.microsoft.com/office/drawing/2014/main" id="{84C25E4C-B31B-4743-8674-CEE11A678C1E}"/>
+              </a:ext>
+            </a:extLst>
+          </p:cNvPr>
+          <p:cNvSpPr>
+            <a:spLocks noGrp="1"/>
+          </p:cNvSpPr>
+          <p:nvPr>
+            <p:ph type="body" idx="1"/>
+          </p:nvPr>
+        </p:nvSpPr>
+        <p:spPr/>
+        <p:txBody>
+          <a:bodyPr/>
+          <a:lstStyle/>
+          <a:p>
+            <a:r>
+              <a:rPr lang="en-US" dirty="0"/>
+              <a:t>We read in the US News CSV and dropped </a:t>
+            </a:r>
+            <a:r>
+              <a:rPr lang="en-US" dirty="0" err="1"/>
+              <a:t>NaN</a:t>
+            </a:r>
+            <a:r>
+              <a:rPr lang="en-US" dirty="0"/>
+              <a:t> rows. I then did something similar to the </a:t>
+            </a:r>
+            <a:r>
+              <a:rPr lang="en-US" dirty="0" err="1"/>
+              <a:t>CollegeRaptor</a:t>
+            </a:r>
+            <a:r>
+              <a:rPr lang="en-US" dirty="0"/>
+              <a:t> data.</a:t>
+            </a:r>
+          </a:p>
+        </p:txBody>
+      </p:sp>
+    </p:spTree>
+    <p:extLst>
+      <p:ext uri="{BB962C8B-B14F-4D97-AF65-F5344CB8AC3E}">
+        <p14:creationId xmlns:p14="http://schemas.microsoft.com/office/powerpoint/2010/main" val="795983359"/>
+      </p:ext>
+    </p:extLst>
+  </p:cSld>
+  <p:clrMapOvr>
+    <a:masterClrMapping/>
+  </p:clrMapOvr>
+</p:sld>
+</file>
+
 <file path=ppt/slides/slide5.xml><?xml version="1.0" encoding="utf-8"?>
+<p:sld xmlns:a="http://schemas.openxmlformats.org/drawingml/2006/main" xmlns:r="http://schemas.openxmlformats.org/officeDocument/2006/relationships" xmlns:p="http://schemas.openxmlformats.org/presentationml/2006/main">
+  <p:cSld>
+    <p:spTree>
+      <p:nvGrpSpPr>
+        <p:cNvPr id="1" name=""/>
+        <p:cNvGrpSpPr/>
+        <p:nvPr/>
+      </p:nvGrpSpPr>
+      <p:grpSpPr>
+        <a:xfrm>
+          <a:off x="0" y="0"/>
+          <a:ext cx="0" cy="0"/>
+          <a:chOff x="0" y="0"/>
+          <a:chExt cx="0" cy="0"/>
+        </a:xfrm>
+      </p:grpSpPr>
+      <p:sp>
+        <p:nvSpPr>
+          <p:cNvPr id="2" name="Title 1">
+            <a:extLst>
+              <a:ext uri="{FF2B5EF4-FFF2-40B4-BE49-F238E27FC236}">
+                <a16:creationId xmlns:a16="http://schemas.microsoft.com/office/drawing/2014/main" id="{69A42FBD-DD0E-4D22-8A58-5430554B31E2}"/>
+              </a:ext>
+            </a:extLst>
+          </p:cNvPr>
+          <p:cNvSpPr>
+            <a:spLocks noGrp="1"/>
+          </p:cNvSpPr>
+          <p:nvPr>
+            <p:ph type="title"/>
+          </p:nvPr>
+        </p:nvSpPr>
+        <p:spPr/>
+        <p:txBody>
+          <a:bodyPr/>
+          <a:lstStyle/>
+          <a:p>
+            <a:endParaRPr lang="en-US" dirty="0"/>
+          </a:p>
+        </p:txBody>
+      </p:sp>
+      <p:pic>
+        <p:nvPicPr>
+          <p:cNvPr id="8" name="Content Placeholder 7">
+            <a:extLst>
+              <a:ext uri="{FF2B5EF4-FFF2-40B4-BE49-F238E27FC236}">
+                <a16:creationId xmlns:a16="http://schemas.microsoft.com/office/drawing/2014/main" id="{1DCC3C19-6834-491A-8A7F-A31E7E190199}"/>
+              </a:ext>
+            </a:extLst>
+          </p:cNvPr>
+          <p:cNvPicPr>
+            <a:picLocks noGrp="1" noChangeAspect="1"/>
+          </p:cNvPicPr>
+          <p:nvPr>
+            <p:ph idx="1"/>
+          </p:nvPr>
+        </p:nvPicPr>
+        <p:blipFill>
+          <a:blip r:embed="rId2">
+            <a:extLst>
+              <a:ext uri="{28A0092B-C50C-407E-A947-70E740481C1C}">
+                <a14:useLocalDpi xmlns:a14="http://schemas.microsoft.com/office/drawing/2010/main" val="0"/>
+              </a:ext>
+            </a:extLst>
+          </a:blip>
+          <a:stretch>
+            <a:fillRect/>
+          </a:stretch>
+        </p:blipFill>
+        <p:spPr>
+          <a:xfrm>
+            <a:off x="259790" y="200147"/>
+            <a:ext cx="11315160" cy="6457706"/>
+          </a:xfrm>
+        </p:spPr>
+      </p:pic>
+    </p:spTree>
+    <p:extLst>
+      <p:ext uri="{BB962C8B-B14F-4D97-AF65-F5344CB8AC3E}">
+        <p14:creationId xmlns:p14="http://schemas.microsoft.com/office/powerpoint/2010/main" val="3173967322"/>
+      </p:ext>
+    </p:extLst>
+  </p:cSld>
+  <p:clrMapOvr>
+    <a:masterClrMapping/>
+  </p:clrMapOvr>
+</p:sld>
+</file>
+
+<file path=ppt/slides/slide6.xml><?xml version="1.0" encoding="utf-8"?>
+<p:sld xmlns:a="http://schemas.openxmlformats.org/drawingml/2006/main" xmlns:r="http://schemas.openxmlformats.org/officeDocument/2006/relationships" xmlns:p="http://schemas.openxmlformats.org/presentationml/2006/main">
+  <p:cSld>
+    <p:spTree>
+      <p:nvGrpSpPr>
+        <p:cNvPr id="1" name=""/>
+        <p:cNvGrpSpPr/>
+        <p:nvPr/>
+      </p:nvGrpSpPr>
+      <p:grpSpPr>
+        <a:xfrm>
+          <a:off x="0" y="0"/>
+          <a:ext cx="0" cy="0"/>
+          <a:chOff x="0" y="0"/>
+          <a:chExt cx="0" cy="0"/>
+        </a:xfrm>
+      </p:grpSpPr>
+      <p:pic>
+        <p:nvPicPr>
+          <p:cNvPr id="5" name="Picture 4">
+            <a:extLst>
+              <a:ext uri="{FF2B5EF4-FFF2-40B4-BE49-F238E27FC236}">
+                <a16:creationId xmlns:a16="http://schemas.microsoft.com/office/drawing/2014/main" id="{5674E173-49DE-44B9-B08F-5DBE36F882CC}"/>
+              </a:ext>
+            </a:extLst>
+          </p:cNvPr>
+          <p:cNvPicPr>
+            <a:picLocks noChangeAspect="1"/>
+          </p:cNvPicPr>
+          <p:nvPr/>
+        </p:nvPicPr>
+        <p:blipFill>
+          <a:blip r:embed="rId2">
+            <a:extLst>
+              <a:ext uri="{28A0092B-C50C-407E-A947-70E740481C1C}">
+                <a14:useLocalDpi xmlns:a14="http://schemas.microsoft.com/office/drawing/2010/main" val="0"/>
+              </a:ext>
+            </a:extLst>
+          </a:blip>
+          <a:stretch>
+            <a:fillRect/>
+          </a:stretch>
+        </p:blipFill>
+        <p:spPr>
+          <a:xfrm>
+            <a:off x="582721" y="121024"/>
+            <a:ext cx="4724087" cy="3001888"/>
+          </a:xfrm>
+          <a:prstGeom prst="rect">
+            <a:avLst/>
+          </a:prstGeom>
+        </p:spPr>
+      </p:pic>
+      <p:pic>
+        <p:nvPicPr>
+          <p:cNvPr id="9" name="Picture 8">
+            <a:extLst>
+              <a:ext uri="{FF2B5EF4-FFF2-40B4-BE49-F238E27FC236}">
+                <a16:creationId xmlns:a16="http://schemas.microsoft.com/office/drawing/2014/main" id="{8C99A26D-BEE4-4F3A-808B-D9C362144565}"/>
+              </a:ext>
+            </a:extLst>
+          </p:cNvPr>
+          <p:cNvPicPr>
+            <a:picLocks noChangeAspect="1"/>
+          </p:cNvPicPr>
+          <p:nvPr/>
+        </p:nvPicPr>
+        <p:blipFill>
+          <a:blip r:embed="rId3">
+            <a:extLst>
+              <a:ext uri="{28A0092B-C50C-407E-A947-70E740481C1C}">
+                <a14:useLocalDpi xmlns:a14="http://schemas.microsoft.com/office/drawing/2010/main" val="0"/>
+              </a:ext>
+            </a:extLst>
+          </a:blip>
+          <a:stretch>
+            <a:fillRect/>
+          </a:stretch>
+        </p:blipFill>
+        <p:spPr>
+          <a:xfrm>
+            <a:off x="-108911" y="3713318"/>
+            <a:ext cx="5415719" cy="2748346"/>
+          </a:xfrm>
+          <a:prstGeom prst="rect">
+            <a:avLst/>
+          </a:prstGeom>
+        </p:spPr>
+      </p:pic>
+      <p:pic>
+        <p:nvPicPr>
+          <p:cNvPr id="11" name="Picture 10">
+            <a:extLst>
+              <a:ext uri="{FF2B5EF4-FFF2-40B4-BE49-F238E27FC236}">
+                <a16:creationId xmlns:a16="http://schemas.microsoft.com/office/drawing/2014/main" id="{AF4DB8AC-48FC-4723-AFC4-7FFAFBB46230}"/>
+              </a:ext>
+            </a:extLst>
+          </p:cNvPr>
+          <p:cNvPicPr>
+            <a:picLocks noChangeAspect="1"/>
+          </p:cNvPicPr>
+          <p:nvPr/>
+        </p:nvPicPr>
+        <p:blipFill>
+          <a:blip r:embed="rId4">
+            <a:extLst>
+              <a:ext uri="{28A0092B-C50C-407E-A947-70E740481C1C}">
+                <a14:useLocalDpi xmlns:a14="http://schemas.microsoft.com/office/drawing/2010/main" val="0"/>
+              </a:ext>
+            </a:extLst>
+          </a:blip>
+          <a:stretch>
+            <a:fillRect/>
+          </a:stretch>
+        </p:blipFill>
+        <p:spPr>
+          <a:xfrm>
+            <a:off x="9283275" y="2650500"/>
+            <a:ext cx="2908725" cy="4040362"/>
+          </a:xfrm>
+          <a:prstGeom prst="rect">
+            <a:avLst/>
+          </a:prstGeom>
+        </p:spPr>
+      </p:pic>
+      <p:pic>
+        <p:nvPicPr>
+          <p:cNvPr id="13" name="Picture 12">
+            <a:extLst>
+              <a:ext uri="{FF2B5EF4-FFF2-40B4-BE49-F238E27FC236}">
+                <a16:creationId xmlns:a16="http://schemas.microsoft.com/office/drawing/2014/main" id="{707818CB-ED29-464F-A7EB-481A1E9C95CA}"/>
+              </a:ext>
+            </a:extLst>
+          </p:cNvPr>
+          <p:cNvPicPr>
+            <a:picLocks noChangeAspect="1"/>
+          </p:cNvPicPr>
+          <p:nvPr/>
+        </p:nvPicPr>
+        <p:blipFill>
+          <a:blip r:embed="rId5">
+            <a:extLst>
+              <a:ext uri="{28A0092B-C50C-407E-A947-70E740481C1C}">
+                <a14:useLocalDpi xmlns:a14="http://schemas.microsoft.com/office/drawing/2010/main" val="0"/>
+              </a:ext>
+            </a:extLst>
+          </a:blip>
+          <a:stretch>
+            <a:fillRect/>
+          </a:stretch>
+        </p:blipFill>
+        <p:spPr>
+          <a:xfrm>
+            <a:off x="5665226" y="2650500"/>
+            <a:ext cx="3122893" cy="4123931"/>
+          </a:xfrm>
+          <a:prstGeom prst="rect">
+            <a:avLst/>
+          </a:prstGeom>
+        </p:spPr>
+      </p:pic>
+      <p:sp>
+        <p:nvSpPr>
+          <p:cNvPr id="2" name="TextBox 1">
+            <a:extLst>
+              <a:ext uri="{FF2B5EF4-FFF2-40B4-BE49-F238E27FC236}">
+                <a16:creationId xmlns:a16="http://schemas.microsoft.com/office/drawing/2014/main" id="{412EE007-9829-41B2-B2AB-5CE4B2899942}"/>
+              </a:ext>
+            </a:extLst>
+          </p:cNvPr>
+          <p:cNvSpPr txBox="1"/>
+          <p:nvPr/>
+        </p:nvSpPr>
+        <p:spPr>
+          <a:xfrm>
+            <a:off x="5699773" y="726831"/>
+            <a:ext cx="6009979" cy="923330"/>
+          </a:xfrm>
+          <a:prstGeom prst="rect">
+            <a:avLst/>
+          </a:prstGeom>
+          <a:noFill/>
+        </p:spPr>
+        <p:txBody>
+          <a:bodyPr wrap="none" rtlCol="0">
+            <a:spAutoFit/>
+          </a:bodyPr>
+          <a:lstStyle/>
+          <a:p>
+            <a:r>
+              <a:rPr lang="en-US" dirty="0"/>
+              <a:t>Since the bar charts pull from the data described in </a:t>
+            </a:r>
+          </a:p>
+          <a:p>
+            <a:r>
+              <a:rPr lang="en-US" dirty="0"/>
+              <a:t>The bottom pie, I feel that they might not be entirely</a:t>
+            </a:r>
+          </a:p>
+          <a:p>
+            <a:r>
+              <a:rPr lang="en-US" dirty="0"/>
+              <a:t> reliable.</a:t>
+            </a:r>
+          </a:p>
+        </p:txBody>
+      </p:sp>
+    </p:spTree>
+    <p:extLst>
+      <p:ext uri="{BB962C8B-B14F-4D97-AF65-F5344CB8AC3E}">
+        <p14:creationId xmlns:p14="http://schemas.microsoft.com/office/powerpoint/2010/main" val="2587062870"/>
+      </p:ext>
+    </p:extLst>
+  </p:cSld>
+  <p:clrMapOvr>
+    <a:masterClrMapping/>
+  </p:clrMapOvr>
+</p:sld>
+</file>
+
+<file path=ppt/slides/slide7.xml><?xml version="1.0" encoding="utf-8"?>
+<p:sld xmlns:a="http://schemas.openxmlformats.org/drawingml/2006/main" xmlns:r="http://schemas.openxmlformats.org/officeDocument/2006/relationships" xmlns:p="http://schemas.openxmlformats.org/presentationml/2006/main">
+  <p:cSld>
+    <p:spTree>
+      <p:nvGrpSpPr>
+        <p:cNvPr id="1" name=""/>
+        <p:cNvGrpSpPr/>
+        <p:nvPr/>
+      </p:nvGrpSpPr>
+      <p:grpSpPr>
+        <a:xfrm>
+          <a:off x="0" y="0"/>
+          <a:ext cx="0" cy="0"/>
+          <a:chOff x="0" y="0"/>
+          <a:chExt cx="0" cy="0"/>
+        </a:xfrm>
+      </p:grpSpPr>
+      <p:pic>
+        <p:nvPicPr>
+          <p:cNvPr id="3" name="Picture 2">
+            <a:extLst>
+              <a:ext uri="{FF2B5EF4-FFF2-40B4-BE49-F238E27FC236}">
+                <a16:creationId xmlns:a16="http://schemas.microsoft.com/office/drawing/2014/main" id="{14129AC6-2430-41B4-8C81-89643A87F9EB}"/>
+              </a:ext>
+            </a:extLst>
+          </p:cNvPr>
+          <p:cNvPicPr>
+            <a:picLocks noChangeAspect="1"/>
+          </p:cNvPicPr>
+          <p:nvPr/>
+        </p:nvPicPr>
+        <p:blipFill>
+          <a:blip r:embed="rId2">
+            <a:extLst>
+              <a:ext uri="{28A0092B-C50C-407E-A947-70E740481C1C}">
+                <a14:useLocalDpi xmlns:a14="http://schemas.microsoft.com/office/drawing/2010/main" val="0"/>
+              </a:ext>
+            </a:extLst>
+          </a:blip>
+          <a:stretch>
+            <a:fillRect/>
+          </a:stretch>
+        </p:blipFill>
+        <p:spPr>
+          <a:xfrm>
+            <a:off x="989437" y="1663296"/>
+            <a:ext cx="5106563" cy="3531405"/>
+          </a:xfrm>
+          <a:prstGeom prst="rect">
+            <a:avLst/>
+          </a:prstGeom>
+        </p:spPr>
+      </p:pic>
+      <p:pic>
+        <p:nvPicPr>
+          <p:cNvPr id="5" name="Picture 4">
+            <a:extLst>
+              <a:ext uri="{FF2B5EF4-FFF2-40B4-BE49-F238E27FC236}">
+                <a16:creationId xmlns:a16="http://schemas.microsoft.com/office/drawing/2014/main" id="{CCB4C922-868B-4581-9EF7-7BEF426B82C9}"/>
+              </a:ext>
+            </a:extLst>
+          </p:cNvPr>
+          <p:cNvPicPr>
+            <a:picLocks noChangeAspect="1"/>
+          </p:cNvPicPr>
+          <p:nvPr/>
+        </p:nvPicPr>
+        <p:blipFill>
+          <a:blip r:embed="rId3">
+            <a:extLst>
+              <a:ext uri="{28A0092B-C50C-407E-A947-70E740481C1C}">
+                <a14:useLocalDpi xmlns:a14="http://schemas.microsoft.com/office/drawing/2010/main" val="0"/>
+              </a:ext>
+            </a:extLst>
+          </a:blip>
+          <a:stretch>
+            <a:fillRect/>
+          </a:stretch>
+        </p:blipFill>
+        <p:spPr>
+          <a:xfrm>
+            <a:off x="6612492" y="1663297"/>
+            <a:ext cx="4903317" cy="3531405"/>
+          </a:xfrm>
+          <a:prstGeom prst="rect">
+            <a:avLst/>
+          </a:prstGeom>
+        </p:spPr>
+      </p:pic>
+    </p:spTree>
+    <p:extLst>
+      <p:ext uri="{BB962C8B-B14F-4D97-AF65-F5344CB8AC3E}">
+        <p14:creationId xmlns:p14="http://schemas.microsoft.com/office/powerpoint/2010/main" val="4249822655"/>
+      </p:ext>
+    </p:extLst>
+  </p:cSld>
+  <p:clrMapOvr>
+    <a:masterClrMapping/>
+  </p:clrMapOvr>
+</p:sld>
+</file>
+
+<file path=ppt/slides/slide8.xml><?xml version="1.0" encoding="utf-8"?>
 <p:sld xmlns:a="http://schemas.openxmlformats.org/drawingml/2006/main" xmlns:r="http://schemas.openxmlformats.org/officeDocument/2006/relationships" xmlns:p="http://schemas.openxmlformats.org/presentationml/2006/main">
   <p:cSld>
     <p:spTree>
@@ -8646,7 +9720,7 @@
 </p:sld>
 </file>
 
-<file path=ppt/slides/slide6.xml><?xml version="1.0" encoding="utf-8"?>
+<file path=ppt/slides/slide9.xml><?xml version="1.0" encoding="utf-8"?>
 <p:sld xmlns:a="http://schemas.openxmlformats.org/drawingml/2006/main" xmlns:r="http://schemas.openxmlformats.org/officeDocument/2006/relationships" xmlns:p="http://schemas.openxmlformats.org/presentationml/2006/main">
   <p:cSld>
     <p:spTree>
@@ -8821,486 +9895,6 @@
     <p:extLst>
       <p:ext uri="{BB962C8B-B14F-4D97-AF65-F5344CB8AC3E}">
         <p14:creationId xmlns:p14="http://schemas.microsoft.com/office/powerpoint/2010/main" val="457928057"/>
-      </p:ext>
-    </p:extLst>
-  </p:cSld>
-  <p:clrMapOvr>
-    <a:masterClrMapping/>
-  </p:clrMapOvr>
-</p:sld>
-</file>
-
-<file path=ppt/slides/slide7.xml><?xml version="1.0" encoding="utf-8"?>
-<p:sld xmlns:a="http://schemas.openxmlformats.org/drawingml/2006/main" xmlns:r="http://schemas.openxmlformats.org/officeDocument/2006/relationships" xmlns:p="http://schemas.openxmlformats.org/presentationml/2006/main">
-  <p:cSld>
-    <p:spTree>
-      <p:nvGrpSpPr>
-        <p:cNvPr id="1" name=""/>
-        <p:cNvGrpSpPr/>
-        <p:nvPr/>
-      </p:nvGrpSpPr>
-      <p:grpSpPr>
-        <a:xfrm>
-          <a:off x="0" y="0"/>
-          <a:ext cx="0" cy="0"/>
-          <a:chOff x="0" y="0"/>
-          <a:chExt cx="0" cy="0"/>
-        </a:xfrm>
-      </p:grpSpPr>
-      <p:sp>
-        <p:nvSpPr>
-          <p:cNvPr id="2" name="Title 1">
-            <a:extLst>
-              <a:ext uri="{FF2B5EF4-FFF2-40B4-BE49-F238E27FC236}">
-                <a16:creationId xmlns:a16="http://schemas.microsoft.com/office/drawing/2014/main" id="{C0C92568-3942-4F07-B51E-06D14943E3F5}"/>
-              </a:ext>
-            </a:extLst>
-          </p:cNvPr>
-          <p:cNvSpPr>
-            <a:spLocks noGrp="1"/>
-          </p:cNvSpPr>
-          <p:nvPr>
-            <p:ph type="title"/>
-          </p:nvPr>
-        </p:nvSpPr>
-        <p:spPr/>
-        <p:txBody>
-          <a:bodyPr/>
-          <a:lstStyle/>
-          <a:p>
-            <a:r>
-              <a:rPr lang="en-US" dirty="0"/>
-              <a:t>College Ranking Vs Tuition Rates</a:t>
-            </a:r>
-          </a:p>
-        </p:txBody>
-      </p:sp>
-      <p:pic>
-        <p:nvPicPr>
-          <p:cNvPr id="6" name="Content Placeholder 5">
-            <a:extLst>
-              <a:ext uri="{FF2B5EF4-FFF2-40B4-BE49-F238E27FC236}">
-                <a16:creationId xmlns:a16="http://schemas.microsoft.com/office/drawing/2014/main" id="{95ACC3E3-8B9A-4EAD-B0FC-032D7850EB03}"/>
-              </a:ext>
-            </a:extLst>
-          </p:cNvPr>
-          <p:cNvPicPr>
-            <a:picLocks noGrp="1" noChangeAspect="1"/>
-          </p:cNvPicPr>
-          <p:nvPr>
-            <p:ph sz="half" idx="1"/>
-          </p:nvPr>
-        </p:nvPicPr>
-        <p:blipFill rotWithShape="1">
-          <a:blip r:embed="rId2"/>
-          <a:srcRect l="8387" t="5532" r="8484" b="6628"/>
-          <a:stretch/>
-        </p:blipFill>
-        <p:spPr>
-          <a:xfrm>
-            <a:off x="190500" y="1583297"/>
-            <a:ext cx="9424838" cy="4979428"/>
-          </a:xfrm>
-        </p:spPr>
-      </p:pic>
-      <p:sp>
-        <p:nvSpPr>
-          <p:cNvPr id="4" name="Content Placeholder 3">
-            <a:extLst>
-              <a:ext uri="{FF2B5EF4-FFF2-40B4-BE49-F238E27FC236}">
-                <a16:creationId xmlns:a16="http://schemas.microsoft.com/office/drawing/2014/main" id="{4518644A-DFC9-4317-8005-6C0649062AB9}"/>
-              </a:ext>
-            </a:extLst>
-          </p:cNvPr>
-          <p:cNvSpPr>
-            <a:spLocks noGrp="1"/>
-          </p:cNvSpPr>
-          <p:nvPr>
-            <p:ph sz="half" idx="2"/>
-          </p:nvPr>
-        </p:nvSpPr>
-        <p:spPr>
-          <a:xfrm>
-            <a:off x="9515474" y="1583297"/>
-            <a:ext cx="2486025" cy="4415797"/>
-          </a:xfrm>
-        </p:spPr>
-        <p:txBody>
-          <a:bodyPr>
-            <a:normAutofit fontScale="92500"/>
-          </a:bodyPr>
-          <a:lstStyle/>
-          <a:p>
-            <a:pPr marL="0" indent="0">
-              <a:buNone/>
-            </a:pPr>
-            <a:r>
-              <a:rPr lang="en-US" dirty="0"/>
-              <a:t>Analysis:</a:t>
-            </a:r>
-          </a:p>
-          <a:p>
-            <a:r>
-              <a:rPr lang="en-US" dirty="0"/>
-              <a:t>Trend of higher tuition and ranking</a:t>
-            </a:r>
-          </a:p>
-          <a:p>
-            <a:r>
-              <a:rPr lang="en-US" dirty="0"/>
-              <a:t>Public Colleges have low tuition</a:t>
-            </a:r>
-          </a:p>
-          <a:p>
-            <a:r>
-              <a:rPr lang="en-US" dirty="0"/>
-              <a:t>Less no of Private colleges</a:t>
-            </a:r>
-          </a:p>
-          <a:p>
-            <a:r>
-              <a:rPr lang="en-US" dirty="0"/>
-              <a:t>After a peak no linear pattern seen</a:t>
-            </a:r>
-          </a:p>
-          <a:p>
-            <a:r>
-              <a:rPr lang="en-US" dirty="0"/>
-              <a:t>Conclusion: Higher tuition in top 50 universities would be justifiable.</a:t>
-            </a:r>
-          </a:p>
-          <a:p>
-            <a:pPr marL="0" indent="0">
-              <a:buNone/>
-            </a:pPr>
-            <a:endParaRPr lang="en-US" dirty="0"/>
-          </a:p>
-        </p:txBody>
-      </p:sp>
-    </p:spTree>
-    <p:extLst>
-      <p:ext uri="{BB962C8B-B14F-4D97-AF65-F5344CB8AC3E}">
-        <p14:creationId xmlns:p14="http://schemas.microsoft.com/office/powerpoint/2010/main" val="2916975321"/>
-      </p:ext>
-    </p:extLst>
-  </p:cSld>
-  <p:clrMapOvr>
-    <a:masterClrMapping/>
-  </p:clrMapOvr>
-</p:sld>
-</file>
-
-<file path=ppt/slides/slide8.xml><?xml version="1.0" encoding="utf-8"?>
-<p:sld xmlns:a="http://schemas.openxmlformats.org/drawingml/2006/main" xmlns:r="http://schemas.openxmlformats.org/officeDocument/2006/relationships" xmlns:p="http://schemas.openxmlformats.org/presentationml/2006/main">
-  <p:cSld>
-    <p:spTree>
-      <p:nvGrpSpPr>
-        <p:cNvPr id="1" name=""/>
-        <p:cNvGrpSpPr/>
-        <p:nvPr/>
-      </p:nvGrpSpPr>
-      <p:grpSpPr>
-        <a:xfrm>
-          <a:off x="0" y="0"/>
-          <a:ext cx="0" cy="0"/>
-          <a:chOff x="0" y="0"/>
-          <a:chExt cx="0" cy="0"/>
-        </a:xfrm>
-      </p:grpSpPr>
-      <p:sp>
-        <p:nvSpPr>
-          <p:cNvPr id="2" name="Title 1">
-            <a:extLst>
-              <a:ext uri="{FF2B5EF4-FFF2-40B4-BE49-F238E27FC236}">
-                <a16:creationId xmlns:a16="http://schemas.microsoft.com/office/drawing/2014/main" id="{C0C92568-3942-4F07-B51E-06D14943E3F5}"/>
-              </a:ext>
-            </a:extLst>
-          </p:cNvPr>
-          <p:cNvSpPr>
-            <a:spLocks noGrp="1"/>
-          </p:cNvSpPr>
-          <p:nvPr>
-            <p:ph type="title"/>
-          </p:nvPr>
-        </p:nvSpPr>
-        <p:spPr>
-          <a:xfrm>
-            <a:off x="2556829" y="319310"/>
-            <a:ext cx="8911687" cy="1280890"/>
-          </a:xfrm>
-        </p:spPr>
-        <p:txBody>
-          <a:bodyPr/>
-          <a:lstStyle/>
-          <a:p>
-            <a:r>
-              <a:rPr lang="en-US" dirty="0"/>
-              <a:t>College Ranking Vs SAT/ACT Scores</a:t>
-            </a:r>
-          </a:p>
-        </p:txBody>
-      </p:sp>
-      <p:sp>
-        <p:nvSpPr>
-          <p:cNvPr id="4" name="Content Placeholder 3">
-            <a:extLst>
-              <a:ext uri="{FF2B5EF4-FFF2-40B4-BE49-F238E27FC236}">
-                <a16:creationId xmlns:a16="http://schemas.microsoft.com/office/drawing/2014/main" id="{4518644A-DFC9-4317-8005-6C0649062AB9}"/>
-              </a:ext>
-            </a:extLst>
-          </p:cNvPr>
-          <p:cNvSpPr>
-            <a:spLocks noGrp="1"/>
-          </p:cNvSpPr>
-          <p:nvPr>
-            <p:ph sz="half" idx="2"/>
-          </p:nvPr>
-        </p:nvSpPr>
-        <p:spPr>
-          <a:xfrm>
-            <a:off x="8458199" y="1287377"/>
-            <a:ext cx="3543299" cy="4957011"/>
-          </a:xfrm>
-        </p:spPr>
-        <p:txBody>
-          <a:bodyPr>
-            <a:normAutofit fontScale="85000" lnSpcReduction="20000"/>
-          </a:bodyPr>
-          <a:lstStyle/>
-          <a:p>
-            <a:pPr marL="0" indent="0">
-              <a:buNone/>
-            </a:pPr>
-            <a:r>
-              <a:rPr lang="en-US" dirty="0"/>
-              <a:t>Analysis:</a:t>
-            </a:r>
-          </a:p>
-          <a:p>
-            <a:r>
-              <a:rPr lang="en-US" dirty="0"/>
-              <a:t>Clear pattern seen for high SAT and ACT scores and ranking</a:t>
-            </a:r>
-          </a:p>
-          <a:p>
-            <a:r>
-              <a:rPr lang="en-US" dirty="0"/>
-              <a:t>SAT scores of 1375 and up is required for the top 10 colleges</a:t>
-            </a:r>
-          </a:p>
-          <a:p>
-            <a:r>
-              <a:rPr lang="en-US" dirty="0"/>
-              <a:t>ACT scores of 32 and up is required for top 10 colleges</a:t>
-            </a:r>
-          </a:p>
-          <a:p>
-            <a:r>
-              <a:rPr lang="en-US" dirty="0"/>
-              <a:t>Some colleges consider ACT scores more favorably than SAT scores</a:t>
-            </a:r>
-          </a:p>
-          <a:p>
-            <a:r>
-              <a:rPr lang="en-US" dirty="0"/>
-              <a:t>Some top ranked universities clearly show lower SAT/ACT requirements.</a:t>
-            </a:r>
-          </a:p>
-          <a:p>
-            <a:r>
-              <a:rPr lang="en-US" dirty="0"/>
-              <a:t>Other parameters are considered in ranking of top colleges.</a:t>
-            </a:r>
-          </a:p>
-          <a:p>
-            <a:r>
-              <a:rPr lang="en-US" dirty="0"/>
-              <a:t>Other parameters may include, course work, research grants, internship and job placements.  </a:t>
-            </a:r>
-          </a:p>
-          <a:p>
-            <a:r>
-              <a:rPr lang="en-US" dirty="0"/>
-              <a:t>Conclusion: Top 10 colleges consider SAT and ACT equally.</a:t>
-            </a:r>
-          </a:p>
-        </p:txBody>
-      </p:sp>
-      <p:pic>
-        <p:nvPicPr>
-          <p:cNvPr id="8" name="Content Placeholder 7">
-            <a:extLst>
-              <a:ext uri="{FF2B5EF4-FFF2-40B4-BE49-F238E27FC236}">
-                <a16:creationId xmlns:a16="http://schemas.microsoft.com/office/drawing/2014/main" id="{A71D8918-FE96-493D-BCEF-79EC06868E78}"/>
-              </a:ext>
-            </a:extLst>
-          </p:cNvPr>
-          <p:cNvPicPr>
-            <a:picLocks noGrp="1" noChangeAspect="1"/>
-          </p:cNvPicPr>
-          <p:nvPr>
-            <p:ph sz="half" idx="1"/>
-          </p:nvPr>
-        </p:nvPicPr>
-        <p:blipFill>
-          <a:blip r:embed="rId2"/>
-          <a:stretch>
-            <a:fillRect/>
-          </a:stretch>
-        </p:blipFill>
-        <p:spPr>
-          <a:xfrm>
-            <a:off x="190501" y="1287378"/>
-            <a:ext cx="8367179" cy="4957011"/>
-          </a:xfrm>
-        </p:spPr>
-      </p:pic>
-    </p:spTree>
-    <p:extLst>
-      <p:ext uri="{BB962C8B-B14F-4D97-AF65-F5344CB8AC3E}">
-        <p14:creationId xmlns:p14="http://schemas.microsoft.com/office/powerpoint/2010/main" val="869881843"/>
-      </p:ext>
-    </p:extLst>
-  </p:cSld>
-  <p:clrMapOvr>
-    <a:masterClrMapping/>
-  </p:clrMapOvr>
-</p:sld>
-</file>
-
-<file path=ppt/slides/slide9.xml><?xml version="1.0" encoding="utf-8"?>
-<p:sld xmlns:a="http://schemas.openxmlformats.org/drawingml/2006/main" xmlns:r="http://schemas.openxmlformats.org/officeDocument/2006/relationships" xmlns:p="http://schemas.openxmlformats.org/presentationml/2006/main">
-  <p:cSld>
-    <p:spTree>
-      <p:nvGrpSpPr>
-        <p:cNvPr id="1" name=""/>
-        <p:cNvGrpSpPr/>
-        <p:nvPr/>
-      </p:nvGrpSpPr>
-      <p:grpSpPr>
-        <a:xfrm>
-          <a:off x="0" y="0"/>
-          <a:ext cx="0" cy="0"/>
-          <a:chOff x="0" y="0"/>
-          <a:chExt cx="0" cy="0"/>
-        </a:xfrm>
-      </p:grpSpPr>
-      <p:sp>
-        <p:nvSpPr>
-          <p:cNvPr id="2" name="Title 1">
-            <a:extLst>
-              <a:ext uri="{FF2B5EF4-FFF2-40B4-BE49-F238E27FC236}">
-                <a16:creationId xmlns:a16="http://schemas.microsoft.com/office/drawing/2014/main" id="{5DB5829C-11A1-4FD8-B856-7CE9B3713481}"/>
-              </a:ext>
-            </a:extLst>
-          </p:cNvPr>
-          <p:cNvSpPr>
-            <a:spLocks noGrp="1"/>
-          </p:cNvSpPr>
-          <p:nvPr>
-            <p:ph type="title"/>
-          </p:nvPr>
-        </p:nvSpPr>
-        <p:spPr/>
-        <p:txBody>
-          <a:bodyPr/>
-          <a:lstStyle/>
-          <a:p>
-            <a:r>
-              <a:rPr lang="en-US" dirty="0"/>
-              <a:t>Conclusion/Summary</a:t>
-            </a:r>
-          </a:p>
-        </p:txBody>
-      </p:sp>
-      <p:sp>
-        <p:nvSpPr>
-          <p:cNvPr id="3" name="Content Placeholder 2">
-            <a:extLst>
-              <a:ext uri="{FF2B5EF4-FFF2-40B4-BE49-F238E27FC236}">
-                <a16:creationId xmlns:a16="http://schemas.microsoft.com/office/drawing/2014/main" id="{B8FA48F5-362B-4D9A-A6D6-2908D684696E}"/>
-              </a:ext>
-            </a:extLst>
-          </p:cNvPr>
-          <p:cNvSpPr>
-            <a:spLocks noGrp="1"/>
-          </p:cNvSpPr>
-          <p:nvPr>
-            <p:ph sz="half" idx="1"/>
-          </p:nvPr>
-        </p:nvSpPr>
-        <p:spPr/>
-        <p:txBody>
-          <a:bodyPr/>
-          <a:lstStyle/>
-          <a:p>
-            <a:r>
-              <a:rPr lang="en-US" dirty="0"/>
-              <a:t>Industries play significant role in making of top colleges.</a:t>
-            </a:r>
-          </a:p>
-          <a:p>
-            <a:r>
-              <a:rPr lang="en-US" dirty="0"/>
-              <a:t>SAT/ACT scores are inversely proportional to acceptance in the higher ranking colleges</a:t>
-            </a:r>
-          </a:p>
-          <a:p>
-            <a:r>
-              <a:rPr lang="en-US" dirty="0"/>
-              <a:t>Higher tuition in top 50 universities would be justifiable</a:t>
-            </a:r>
-          </a:p>
-          <a:p>
-            <a:r>
-              <a:rPr lang="en-US" dirty="0"/>
-              <a:t>Top 10 colleges consider SAT and ACT equally</a:t>
-            </a:r>
-          </a:p>
-          <a:p>
-            <a:endParaRPr lang="en-US" dirty="0"/>
-          </a:p>
-        </p:txBody>
-      </p:sp>
-      <p:pic>
-        <p:nvPicPr>
-          <p:cNvPr id="13" name="Content Placeholder 12">
-            <a:extLst>
-              <a:ext uri="{FF2B5EF4-FFF2-40B4-BE49-F238E27FC236}">
-                <a16:creationId xmlns:a16="http://schemas.microsoft.com/office/drawing/2014/main" id="{066119A9-C921-4398-B252-09DD45B719EE}"/>
-              </a:ext>
-            </a:extLst>
-          </p:cNvPr>
-          <p:cNvPicPr>
-            <a:picLocks noGrp="1" noChangeAspect="1"/>
-          </p:cNvPicPr>
-          <p:nvPr>
-            <p:ph sz="half" idx="2"/>
-          </p:nvPr>
-        </p:nvPicPr>
-        <p:blipFill>
-          <a:blip r:embed="rId2">
-            <a:extLst>
-              <a:ext uri="{837473B0-CC2E-450A-ABE3-18F120FF3D39}">
-                <a1611:picAttrSrcUrl xmlns:a1611="http://schemas.microsoft.com/office/drawing/2016/11/main" r:id="rId3"/>
-              </a:ext>
-            </a:extLst>
-          </a:blip>
-          <a:stretch>
-            <a:fillRect/>
-          </a:stretch>
-        </p:blipFill>
-        <p:spPr>
-          <a:xfrm>
-            <a:off x="6903076" y="2119976"/>
-            <a:ext cx="4601537" cy="3566191"/>
-          </a:xfrm>
-        </p:spPr>
-      </p:pic>
-    </p:spTree>
-    <p:extLst>
-      <p:ext uri="{BB962C8B-B14F-4D97-AF65-F5344CB8AC3E}">
-        <p14:creationId xmlns:p14="http://schemas.microsoft.com/office/powerpoint/2010/main" val="1716012072"/>
       </p:ext>
     </p:extLst>
   </p:cSld>
